--- a/schema.pptx
+++ b/schema.pptx
@@ -5,10 +5,11 @@
     <p:sldMasterId id="2147483648" r:id="rId1"/>
   </p:sldMasterIdLst>
   <p:notesMasterIdLst>
-    <p:notesMasterId r:id="rId5"/>
+    <p:notesMasterId r:id="rId6"/>
   </p:notesMasterIdLst>
   <p:sldIdLst>
     <p:sldId id="256" r:id="rId4"/>
+    <p:sldId id="257" r:id="rId5"/>
   </p:sldIdLst>
   <p:sldSz cx="12192000" cy="6858000"/>
   <p:notesSz cx="6858000" cy="9144000"/>
@@ -566,6 +567,88 @@
               <a:t>1</a:t>
             </a:fld>
             <a:endParaRPr lang="en-US"/>
+          </a:p>
+        </p:txBody>
+      </p:sp>
+    </p:spTree>
+  </p:cSld>
+</p:notes>
+</file>
+
+<file path=ppt/notesSlides/notesSlide2.xml><?xml version="1.0" encoding="utf-8"?>
+<p:notes xmlns:a="http://schemas.openxmlformats.org/drawingml/2006/main" xmlns:r="http://schemas.openxmlformats.org/officeDocument/2006/relationships" xmlns:p="http://schemas.openxmlformats.org/presentationml/2006/main" xmlns:m="http://schemas.openxmlformats.org/officeDocument/2006/math" xmlns:w="http://schemas.openxmlformats.org/wordprocessingml/2006/main">
+  <p:cSld name="">
+    <p:spTree>
+      <p:nvGrpSpPr>
+        <p:cNvPr id="1" name=""/>
+        <p:cNvGrpSpPr/>
+        <p:nvPr/>
+      </p:nvGrpSpPr>
+      <p:grpSpPr bwMode="auto">
+        <a:xfrm>
+          <a:off x="0" y="0"/>
+          <a:ext cx="0" cy="0"/>
+          <a:chOff x="0" y="0"/>
+          <a:chExt cx="0" cy="0"/>
+        </a:xfrm>
+      </p:grpSpPr>
+      <p:sp>
+        <p:nvSpPr>
+          <p:cNvPr id="2" name="Slide Image Placeholder 1"/>
+          <p:cNvSpPr>
+            <a:spLocks noChangeAspect="1" noGrp="1" noRot="1"/>
+          </p:cNvSpPr>
+          <p:nvPr>
+            <p:ph type="sldImg"/>
+          </p:nvPr>
+        </p:nvSpPr>
+        <p:spPr bwMode="auto"/>
+      </p:sp>
+      <p:sp>
+        <p:nvSpPr>
+          <p:cNvPr id="3" name="Notes Placeholder 2"/>
+          <p:cNvSpPr>
+            <a:spLocks noGrp="1"/>
+          </p:cNvSpPr>
+          <p:nvPr>
+            <p:ph type="body" idx="1"/>
+          </p:nvPr>
+        </p:nvSpPr>
+        <p:spPr bwMode="auto"/>
+        <p:txBody>
+          <a:bodyPr/>
+          <a:lstStyle/>
+          <a:p>
+            <a:pPr>
+              <a:defRPr/>
+            </a:pPr>
+            <a:endParaRPr/>
+          </a:p>
+        </p:txBody>
+      </p:sp>
+      <p:sp>
+        <p:nvSpPr>
+          <p:cNvPr id="4" name="Slide Number Placeholder 3"/>
+          <p:cNvSpPr>
+            <a:spLocks noGrp="1"/>
+          </p:cNvSpPr>
+          <p:nvPr>
+            <p:ph type="sldNum" sz="quarter" idx="10"/>
+          </p:nvPr>
+        </p:nvSpPr>
+        <p:spPr bwMode="auto"/>
+        <p:txBody>
+          <a:bodyPr/>
+          <a:lstStyle/>
+          <a:p>
+            <a:pPr>
+              <a:defRPr/>
+            </a:pPr>
+            <a:fld id="{6A19D007-30AB-50C9-0A30-B21F1DF5D9E1}" type="slidenum">
+              <a:rPr/>
+              <a:t/>
+            </a:fld>
+            <a:endParaRPr/>
           </a:p>
         </p:txBody>
       </p:sp>
@@ -3678,7 +3761,7 @@
         <p:spPr bwMode="auto">
           <a:xfrm flipH="0" flipV="0">
             <a:off x="7257309" y="1305387"/>
-            <a:ext cx="4414073" cy="838199"/>
+            <a:ext cx="4414073" cy="838198"/>
           </a:xfrm>
           <a:prstGeom prst="rect">
             <a:avLst/>
@@ -3780,8 +3863,8 @@
         </p:nvCxnSpPr>
         <p:spPr bwMode="auto">
           <a:xfrm flipH="0" flipV="0">
-            <a:off x="3688347" y="1742980"/>
-            <a:ext cx="3568961" cy="78790"/>
+            <a:off x="3672832" y="1590580"/>
+            <a:ext cx="3568960" cy="231189"/>
           </a:xfrm>
           <a:prstGeom prst="line">
             <a:avLst/>
@@ -3985,8 +4068,8 @@
         </p:nvCxnSpPr>
         <p:spPr bwMode="auto">
           <a:xfrm flipH="0" flipV="0">
-            <a:off x="3828996" y="1544344"/>
-            <a:ext cx="0" cy="1627572"/>
+            <a:off x="3828996" y="1742979"/>
+            <a:ext cx="0" cy="1428935"/>
           </a:xfrm>
           <a:prstGeom prst="line">
             <a:avLst/>
@@ -4026,7 +4109,7 @@
         </p:nvCxnSpPr>
         <p:spPr bwMode="auto">
           <a:xfrm flipH="1" flipV="0">
-            <a:off x="3690727" y="1543288"/>
+            <a:off x="3690729" y="1742979"/>
             <a:ext cx="138267" cy="0"/>
           </a:xfrm>
           <a:prstGeom prst="line">
@@ -4067,7 +4150,7 @@
         </p:nvCxnSpPr>
         <p:spPr bwMode="auto">
           <a:xfrm flipH="1" flipV="1">
-            <a:off x="2960169" y="3171917"/>
+            <a:off x="2960169" y="3171916"/>
             <a:ext cx="868826" cy="0"/>
           </a:xfrm>
           <a:prstGeom prst="line">
@@ -4108,7 +4191,7 @@
         </p:nvCxnSpPr>
         <p:spPr bwMode="auto">
           <a:xfrm flipH="1" flipV="1">
-            <a:off x="2960169" y="3171917"/>
+            <a:off x="2960169" y="3171916"/>
             <a:ext cx="0" cy="878518"/>
           </a:xfrm>
           <a:prstGeom prst="line">
@@ -4190,8 +4273,8 @@
         </p:nvCxnSpPr>
         <p:spPr bwMode="auto">
           <a:xfrm flipH="0" flipV="0">
-            <a:off x="6552666" y="1724487"/>
-            <a:ext cx="64732" cy="2713615"/>
+            <a:off x="6552666" y="1724486"/>
+            <a:ext cx="64731" cy="2713614"/>
           </a:xfrm>
           <a:prstGeom prst="line">
             <a:avLst/>
@@ -4304,6 +4387,259 @@
           </a:fontRef>
         </p:style>
       </p:cxnSp>
+    </p:spTree>
+  </p:cSld>
+  <p:clrMapOvr>
+    <a:masterClrMapping/>
+  </p:clrMapOvr>
+  <mc:AlternateContent xmlns:mc="http://schemas.openxmlformats.org/markup-compatibility/2006">
+    <mc:Choice xmlns:p159="http://schemas.microsoft.com/office/powerpoint/2015/09/main" xmlns:p14="http://schemas.microsoft.com/office/powerpoint/2010/main" Requires="p159">
+      <p:transition p14:dur="2000" advClick="1"/>
+    </mc:Choice>
+    <mc:Fallback>
+      <p:transition advClick="1"/>
+    </mc:Fallback>
+  </mc:AlternateContent>
+</p:sld>
+</file>
+
+<file path=ppt/slides/slide2.xml><?xml version="1.0" encoding="utf-8"?>
+<p:sld xmlns:a="http://schemas.openxmlformats.org/drawingml/2006/main" xmlns:r="http://schemas.openxmlformats.org/officeDocument/2006/relationships" xmlns:p="http://schemas.openxmlformats.org/presentationml/2006/main" xmlns:m="http://schemas.openxmlformats.org/officeDocument/2006/math" xmlns:w="http://schemas.openxmlformats.org/wordprocessingml/2006/main" showMasterPhAnim="0" show="1">
+  <p:cSld name="">
+    <p:spTree>
+      <p:nvGrpSpPr>
+        <p:cNvPr id="1" name=""/>
+        <p:cNvGrpSpPr/>
+        <p:nvPr/>
+      </p:nvGrpSpPr>
+      <p:grpSpPr bwMode="auto">
+        <a:xfrm>
+          <a:off x="0" y="0"/>
+          <a:ext cx="0" cy="0"/>
+          <a:chOff x="0" y="0"/>
+          <a:chExt cx="0" cy="0"/>
+        </a:xfrm>
+      </p:grpSpPr>
+      <p:pic>
+        <p:nvPicPr>
+          <p:cNvPr id="1834729353" name=""/>
+          <p:cNvPicPr>
+            <a:picLocks noChangeAspect="1"/>
+          </p:cNvPicPr>
+          <p:nvPr/>
+        </p:nvPicPr>
+        <p:blipFill>
+          <a:blip r:embed="rId3"/>
+          <a:stretch/>
+        </p:blipFill>
+        <p:spPr bwMode="auto">
+          <a:xfrm>
+            <a:off x="647330" y="3227447"/>
+            <a:ext cx="1523999" cy="1590674"/>
+          </a:xfrm>
+          <a:prstGeom prst="rect">
+            <a:avLst/>
+          </a:prstGeom>
+        </p:spPr>
+      </p:pic>
+      <p:pic>
+        <p:nvPicPr>
+          <p:cNvPr id="1532779078" name=""/>
+          <p:cNvPicPr>
+            <a:picLocks noChangeAspect="1"/>
+          </p:cNvPicPr>
+          <p:nvPr/>
+        </p:nvPicPr>
+        <p:blipFill>
+          <a:blip r:embed="rId3"/>
+          <a:stretch/>
+        </p:blipFill>
+        <p:spPr bwMode="auto">
+          <a:xfrm>
+            <a:off x="5141650" y="3227447"/>
+            <a:ext cx="1523999" cy="1590674"/>
+          </a:xfrm>
+          <a:prstGeom prst="rect">
+            <a:avLst/>
+          </a:prstGeom>
+        </p:spPr>
+      </p:pic>
+      <p:pic>
+        <p:nvPicPr>
+          <p:cNvPr id="231265143" name=""/>
+          <p:cNvPicPr>
+            <a:picLocks noChangeAspect="1"/>
+          </p:cNvPicPr>
+          <p:nvPr/>
+        </p:nvPicPr>
+        <p:blipFill>
+          <a:blip r:embed="rId3"/>
+          <a:stretch/>
+        </p:blipFill>
+        <p:spPr bwMode="auto">
+          <a:xfrm>
+            <a:off x="2889681" y="3227447"/>
+            <a:ext cx="1523999" cy="1590674"/>
+          </a:xfrm>
+          <a:prstGeom prst="rect">
+            <a:avLst/>
+          </a:prstGeom>
+        </p:spPr>
+      </p:pic>
+      <p:pic>
+        <p:nvPicPr>
+          <p:cNvPr id="948047598" name=""/>
+          <p:cNvPicPr>
+            <a:picLocks noChangeAspect="1"/>
+          </p:cNvPicPr>
+          <p:nvPr/>
+        </p:nvPicPr>
+        <p:blipFill>
+          <a:blip r:embed="rId3"/>
+          <a:stretch/>
+        </p:blipFill>
+        <p:spPr bwMode="auto">
+          <a:xfrm>
+            <a:off x="647330" y="753538"/>
+            <a:ext cx="1523999" cy="1590674"/>
+          </a:xfrm>
+          <a:prstGeom prst="rect">
+            <a:avLst/>
+          </a:prstGeom>
+        </p:spPr>
+      </p:pic>
+      <p:pic>
+        <p:nvPicPr>
+          <p:cNvPr id="2052834974" name=""/>
+          <p:cNvPicPr>
+            <a:picLocks noChangeAspect="1"/>
+          </p:cNvPicPr>
+          <p:nvPr/>
+        </p:nvPicPr>
+        <p:blipFill>
+          <a:blip r:embed="rId3"/>
+          <a:stretch/>
+        </p:blipFill>
+        <p:spPr bwMode="auto">
+          <a:xfrm>
+            <a:off x="5141650" y="753538"/>
+            <a:ext cx="1523999" cy="1590674"/>
+          </a:xfrm>
+          <a:prstGeom prst="rect">
+            <a:avLst/>
+          </a:prstGeom>
+        </p:spPr>
+      </p:pic>
+      <p:pic>
+        <p:nvPicPr>
+          <p:cNvPr id="1555171914" name=""/>
+          <p:cNvPicPr>
+            <a:picLocks noChangeAspect="1"/>
+          </p:cNvPicPr>
+          <p:nvPr/>
+        </p:nvPicPr>
+        <p:blipFill>
+          <a:blip r:embed="rId3"/>
+          <a:stretch/>
+        </p:blipFill>
+        <p:spPr bwMode="auto">
+          <a:xfrm>
+            <a:off x="2889680" y="753538"/>
+            <a:ext cx="1523999" cy="1590674"/>
+          </a:xfrm>
+          <a:prstGeom prst="rect">
+            <a:avLst/>
+          </a:prstGeom>
+        </p:spPr>
+      </p:pic>
+      <p:pic>
+        <p:nvPicPr>
+          <p:cNvPr id="1784334081" name=""/>
+          <p:cNvPicPr>
+            <a:picLocks noChangeAspect="1"/>
+          </p:cNvPicPr>
+          <p:nvPr/>
+        </p:nvPicPr>
+        <p:blipFill>
+          <a:blip r:embed="rId3"/>
+          <a:stretch/>
+        </p:blipFill>
+        <p:spPr bwMode="auto">
+          <a:xfrm>
+            <a:off x="10028807" y="3227447"/>
+            <a:ext cx="1523999" cy="1590674"/>
+          </a:xfrm>
+          <a:prstGeom prst="rect">
+            <a:avLst/>
+          </a:prstGeom>
+        </p:spPr>
+      </p:pic>
+      <p:pic>
+        <p:nvPicPr>
+          <p:cNvPr id="1047294939" name=""/>
+          <p:cNvPicPr>
+            <a:picLocks noChangeAspect="1"/>
+          </p:cNvPicPr>
+          <p:nvPr/>
+        </p:nvPicPr>
+        <p:blipFill>
+          <a:blip r:embed="rId3"/>
+          <a:stretch/>
+        </p:blipFill>
+        <p:spPr bwMode="auto">
+          <a:xfrm>
+            <a:off x="7490163" y="3227447"/>
+            <a:ext cx="1523999" cy="1590674"/>
+          </a:xfrm>
+          <a:prstGeom prst="rect">
+            <a:avLst/>
+          </a:prstGeom>
+        </p:spPr>
+      </p:pic>
+      <p:pic>
+        <p:nvPicPr>
+          <p:cNvPr id="262539392" name=""/>
+          <p:cNvPicPr>
+            <a:picLocks noChangeAspect="1"/>
+          </p:cNvPicPr>
+          <p:nvPr/>
+        </p:nvPicPr>
+        <p:blipFill>
+          <a:blip r:embed="rId3"/>
+          <a:stretch/>
+        </p:blipFill>
+        <p:spPr bwMode="auto">
+          <a:xfrm>
+            <a:off x="10028807" y="753537"/>
+            <a:ext cx="1523999" cy="1590674"/>
+          </a:xfrm>
+          <a:prstGeom prst="rect">
+            <a:avLst/>
+          </a:prstGeom>
+        </p:spPr>
+      </p:pic>
+      <p:pic>
+        <p:nvPicPr>
+          <p:cNvPr id="542881214" name=""/>
+          <p:cNvPicPr>
+            <a:picLocks noChangeAspect="1"/>
+          </p:cNvPicPr>
+          <p:nvPr/>
+        </p:nvPicPr>
+        <p:blipFill>
+          <a:blip r:embed="rId3"/>
+          <a:stretch/>
+        </p:blipFill>
+        <p:spPr bwMode="auto">
+          <a:xfrm>
+            <a:off x="7490163" y="753537"/>
+            <a:ext cx="1523999" cy="1590674"/>
+          </a:xfrm>
+          <a:prstGeom prst="rect">
+            <a:avLst/>
+          </a:prstGeom>
+        </p:spPr>
+      </p:pic>
     </p:spTree>
   </p:cSld>
   <p:clrMapOvr>
